--- a/Presentation_Lakshmi.pptx
+++ b/Presentation_Lakshmi.pptx
@@ -1,6 +1,6 @@
 
 <file path=ppt/presentation.xml><?xml version="1.0" encoding="utf-8"?>
-<p:presentation xmlns:a="http://schemas.openxmlformats.org/drawingml/2006/main" xmlns:r="http://schemas.openxmlformats.org/officeDocument/2006/relationships" xmlns:p="http://schemas.openxmlformats.org/presentationml/2006/main" saveSubsetFonts="1" autoCompressPictures="0">
+<p:presentation xmlns:a="http://schemas.openxmlformats.org/drawingml/2006/main" xmlns:r="http://schemas.openxmlformats.org/officeDocument/2006/relationships" xmlns:p="http://schemas.openxmlformats.org/presentationml/2006/main" showSpecialPlsOnTitleSld="0" saveSubsetFonts="1" autoCompressPictures="0">
   <p:sldMasterIdLst>
     <p:sldMasterId id="2147483660" r:id="rId1"/>
   </p:sldMasterIdLst>
@@ -141,7 +141,7 @@
   <pc:docChgLst>
     <pc:chgData name="Ananthabhotla, Lakshmi Yasodhara" userId="1a5eb61b-c9dd-46ff-b012-750cfca4c24a" providerId="ADAL" clId="{5D7EA7EB-15FE-4CDA-A377-87762833EF3E}"/>
     <pc:docChg chg="undo custSel addSld delSld modSld sldOrd">
-      <pc:chgData name="Ananthabhotla, Lakshmi Yasodhara" userId="1a5eb61b-c9dd-46ff-b012-750cfca4c24a" providerId="ADAL" clId="{5D7EA7EB-15FE-4CDA-A377-87762833EF3E}" dt="2022-12-13T18:42:31.328" v="2675" actId="1076"/>
+      <pc:chgData name="Ananthabhotla, Lakshmi Yasodhara" userId="1a5eb61b-c9dd-46ff-b012-750cfca4c24a" providerId="ADAL" clId="{5D7EA7EB-15FE-4CDA-A377-87762833EF3E}" dt="2022-12-13T19:07:49.005" v="2727" actId="14100"/>
       <pc:docMkLst>
         <pc:docMk/>
       </pc:docMkLst>
@@ -204,7 +204,7 @@
         </pc:sldMkLst>
       </pc:sldChg>
       <pc:sldChg chg="addSp modSp ord">
-        <pc:chgData name="Ananthabhotla, Lakshmi Yasodhara" userId="1a5eb61b-c9dd-46ff-b012-750cfca4c24a" providerId="ADAL" clId="{5D7EA7EB-15FE-4CDA-A377-87762833EF3E}" dt="2022-12-13T17:32:28.833" v="634" actId="14100"/>
+        <pc:chgData name="Ananthabhotla, Lakshmi Yasodhara" userId="1a5eb61b-c9dd-46ff-b012-750cfca4c24a" providerId="ADAL" clId="{5D7EA7EB-15FE-4CDA-A377-87762833EF3E}" dt="2022-12-13T19:07:49.005" v="2727" actId="14100"/>
         <pc:sldMkLst>
           <pc:docMk/>
           <pc:sldMk cId="1806512044" sldId="270"/>
@@ -226,11 +226,19 @@
           </ac:spMkLst>
         </pc:spChg>
         <pc:spChg chg="add mod">
-          <ac:chgData name="Ananthabhotla, Lakshmi Yasodhara" userId="1a5eb61b-c9dd-46ff-b012-750cfca4c24a" providerId="ADAL" clId="{5D7EA7EB-15FE-4CDA-A377-87762833EF3E}" dt="2022-12-13T15:05:14.966" v="243" actId="114"/>
+          <ac:chgData name="Ananthabhotla, Lakshmi Yasodhara" userId="1a5eb61b-c9dd-46ff-b012-750cfca4c24a" providerId="ADAL" clId="{5D7EA7EB-15FE-4CDA-A377-87762833EF3E}" dt="2022-12-13T19:07:49.005" v="2727" actId="14100"/>
           <ac:spMkLst>
             <pc:docMk/>
             <pc:sldMk cId="1806512044" sldId="270"/>
             <ac:spMk id="4" creationId="{73402829-1F0A-4429-8101-7FB1D22BD0BF}"/>
+          </ac:spMkLst>
+        </pc:spChg>
+        <pc:spChg chg="mod">
+          <ac:chgData name="Ananthabhotla, Lakshmi Yasodhara" userId="1a5eb61b-c9dd-46ff-b012-750cfca4c24a" providerId="ADAL" clId="{5D7EA7EB-15FE-4CDA-A377-87762833EF3E}" dt="2022-12-13T19:00:13.059" v="2676" actId="121"/>
+          <ac:spMkLst>
+            <pc:docMk/>
+            <pc:sldMk cId="1806512044" sldId="270"/>
+            <ac:spMk id="5" creationId="{F1110EED-26CC-4EF7-9C71-5D323BAB6D15}"/>
           </ac:spMkLst>
         </pc:spChg>
         <pc:picChg chg="add mod">
@@ -306,7 +314,7 @@
         </pc:sldMkLst>
       </pc:sldChg>
       <pc:sldChg chg="addSp delSp modSp add">
-        <pc:chgData name="Ananthabhotla, Lakshmi Yasodhara" userId="1a5eb61b-c9dd-46ff-b012-750cfca4c24a" providerId="ADAL" clId="{5D7EA7EB-15FE-4CDA-A377-87762833EF3E}" dt="2022-12-13T17:50:24.424" v="1040" actId="208"/>
+        <pc:chgData name="Ananthabhotla, Lakshmi Yasodhara" userId="1a5eb61b-c9dd-46ff-b012-750cfca4c24a" providerId="ADAL" clId="{5D7EA7EB-15FE-4CDA-A377-87762833EF3E}" dt="2022-12-13T19:07:12.397" v="2722" actId="14100"/>
         <pc:sldMkLst>
           <pc:docMk/>
           <pc:sldMk cId="4103621183" sldId="280"/>
@@ -328,7 +336,7 @@
           </ac:spMkLst>
         </pc:spChg>
         <pc:spChg chg="mod">
-          <ac:chgData name="Ananthabhotla, Lakshmi Yasodhara" userId="1a5eb61b-c9dd-46ff-b012-750cfca4c24a" providerId="ADAL" clId="{5D7EA7EB-15FE-4CDA-A377-87762833EF3E}" dt="2022-12-13T17:45:59.117" v="1016"/>
+          <ac:chgData name="Ananthabhotla, Lakshmi Yasodhara" userId="1a5eb61b-c9dd-46ff-b012-750cfca4c24a" providerId="ADAL" clId="{5D7EA7EB-15FE-4CDA-A377-87762833EF3E}" dt="2022-12-13T19:07:12.397" v="2722" actId="14100"/>
           <ac:spMkLst>
             <pc:docMk/>
             <pc:sldMk cId="4103621183" sldId="280"/>
@@ -341,6 +349,14 @@
             <pc:docMk/>
             <pc:sldMk cId="4103621183" sldId="280"/>
             <ac:spMk id="6" creationId="{3DC4C270-D305-4783-B1B2-03B519E738C5}"/>
+          </ac:spMkLst>
+        </pc:spChg>
+        <pc:spChg chg="mod">
+          <ac:chgData name="Ananthabhotla, Lakshmi Yasodhara" userId="1a5eb61b-c9dd-46ff-b012-750cfca4c24a" providerId="ADAL" clId="{5D7EA7EB-15FE-4CDA-A377-87762833EF3E}" dt="2022-12-13T19:00:46.348" v="2683" actId="121"/>
+          <ac:spMkLst>
+            <pc:docMk/>
+            <pc:sldMk cId="4103621183" sldId="280"/>
+            <ac:spMk id="7" creationId="{FA3BB005-8EE8-47E1-A05D-A29317BE819A}"/>
           </ac:spMkLst>
         </pc:spChg>
         <pc:picChg chg="add mod">
@@ -368,7 +384,7 @@
         </pc:sldMkLst>
       </pc:sldChg>
       <pc:sldChg chg="addSp delSp modSp add">
-        <pc:chgData name="Ananthabhotla, Lakshmi Yasodhara" userId="1a5eb61b-c9dd-46ff-b012-750cfca4c24a" providerId="ADAL" clId="{5D7EA7EB-15FE-4CDA-A377-87762833EF3E}" dt="2022-12-13T17:37:54.823" v="891" actId="20577"/>
+        <pc:chgData name="Ananthabhotla, Lakshmi Yasodhara" userId="1a5eb61b-c9dd-46ff-b012-750cfca4c24a" providerId="ADAL" clId="{5D7EA7EB-15FE-4CDA-A377-87762833EF3E}" dt="2022-12-13T19:00:34.022" v="2681" actId="14100"/>
         <pc:sldMkLst>
           <pc:docMk/>
           <pc:sldMk cId="2239225108" sldId="281"/>
@@ -390,11 +406,19 @@
           </ac:spMkLst>
         </pc:spChg>
         <pc:spChg chg="mod">
-          <ac:chgData name="Ananthabhotla, Lakshmi Yasodhara" userId="1a5eb61b-c9dd-46ff-b012-750cfca4c24a" providerId="ADAL" clId="{5D7EA7EB-15FE-4CDA-A377-87762833EF3E}" dt="2022-12-13T17:34:19.216" v="706" actId="114"/>
+          <ac:chgData name="Ananthabhotla, Lakshmi Yasodhara" userId="1a5eb61b-c9dd-46ff-b012-750cfca4c24a" providerId="ADAL" clId="{5D7EA7EB-15FE-4CDA-A377-87762833EF3E}" dt="2022-12-13T19:00:34.022" v="2681" actId="14100"/>
           <ac:spMkLst>
             <pc:docMk/>
             <pc:sldMk cId="2239225108" sldId="281"/>
             <ac:spMk id="4" creationId="{73402829-1F0A-4429-8101-7FB1D22BD0BF}"/>
+          </ac:spMkLst>
+        </pc:spChg>
+        <pc:spChg chg="mod">
+          <ac:chgData name="Ananthabhotla, Lakshmi Yasodhara" userId="1a5eb61b-c9dd-46ff-b012-750cfca4c24a" providerId="ADAL" clId="{5D7EA7EB-15FE-4CDA-A377-87762833EF3E}" dt="2022-12-13T19:00:25.364" v="2679" actId="121"/>
+          <ac:spMkLst>
+            <pc:docMk/>
+            <pc:sldMk cId="2239225108" sldId="281"/>
+            <ac:spMk id="6" creationId="{5DCDE601-FB84-4F0B-B587-3704CB64380E}"/>
           </ac:spMkLst>
         </pc:spChg>
         <pc:picChg chg="add mod">
@@ -415,7 +439,7 @@
         </pc:picChg>
       </pc:sldChg>
       <pc:sldChg chg="addSp delSp modSp add">
-        <pc:chgData name="Ananthabhotla, Lakshmi Yasodhara" userId="1a5eb61b-c9dd-46ff-b012-750cfca4c24a" providerId="ADAL" clId="{5D7EA7EB-15FE-4CDA-A377-87762833EF3E}" dt="2022-12-13T17:57:14.043" v="1211" actId="20577"/>
+        <pc:chgData name="Ananthabhotla, Lakshmi Yasodhara" userId="1a5eb61b-c9dd-46ff-b012-750cfca4c24a" providerId="ADAL" clId="{5D7EA7EB-15FE-4CDA-A377-87762833EF3E}" dt="2022-12-13T19:07:18.279" v="2723" actId="14100"/>
         <pc:sldMkLst>
           <pc:docMk/>
           <pc:sldMk cId="1531248687" sldId="282"/>
@@ -434,6 +458,22 @@
             <pc:docMk/>
             <pc:sldMk cId="1531248687" sldId="282"/>
             <ac:spMk id="3" creationId="{4ECCB3B8-82C7-004F-A08A-14FF61550B3C}"/>
+          </ac:spMkLst>
+        </pc:spChg>
+        <pc:spChg chg="mod">
+          <ac:chgData name="Ananthabhotla, Lakshmi Yasodhara" userId="1a5eb61b-c9dd-46ff-b012-750cfca4c24a" providerId="ADAL" clId="{5D7EA7EB-15FE-4CDA-A377-87762833EF3E}" dt="2022-12-13T19:07:18.279" v="2723" actId="14100"/>
+          <ac:spMkLst>
+            <pc:docMk/>
+            <pc:sldMk cId="1531248687" sldId="282"/>
+            <ac:spMk id="4" creationId="{73402829-1F0A-4429-8101-7FB1D22BD0BF}"/>
+          </ac:spMkLst>
+        </pc:spChg>
+        <pc:spChg chg="mod">
+          <ac:chgData name="Ananthabhotla, Lakshmi Yasodhara" userId="1a5eb61b-c9dd-46ff-b012-750cfca4c24a" providerId="ADAL" clId="{5D7EA7EB-15FE-4CDA-A377-87762833EF3E}" dt="2022-12-13T19:00:54.272" v="2685" actId="121"/>
+          <ac:spMkLst>
+            <pc:docMk/>
+            <pc:sldMk cId="1531248687" sldId="282"/>
+            <ac:spMk id="5" creationId="{EA1DD16B-AC3A-4A93-8B72-EB2A5E9590A8}"/>
           </ac:spMkLst>
         </pc:spChg>
         <pc:spChg chg="del">
@@ -469,7 +509,7 @@
         </pc:sldMkLst>
       </pc:sldChg>
       <pc:sldChg chg="modSp add">
-        <pc:chgData name="Ananthabhotla, Lakshmi Yasodhara" userId="1a5eb61b-c9dd-46ff-b012-750cfca4c24a" providerId="ADAL" clId="{5D7EA7EB-15FE-4CDA-A377-87762833EF3E}" dt="2022-12-13T17:59:24.014" v="1249" actId="14100"/>
+        <pc:chgData name="Ananthabhotla, Lakshmi Yasodhara" userId="1a5eb61b-c9dd-46ff-b012-750cfca4c24a" providerId="ADAL" clId="{5D7EA7EB-15FE-4CDA-A377-87762833EF3E}" dt="2022-12-13T19:07:23.908" v="2724" actId="14100"/>
         <pc:sldMkLst>
           <pc:docMk/>
           <pc:sldMk cId="3016242566" sldId="283"/>
@@ -482,9 +522,25 @@
             <ac:spMk id="3" creationId="{4ECCB3B8-82C7-004F-A08A-14FF61550B3C}"/>
           </ac:spMkLst>
         </pc:spChg>
+        <pc:spChg chg="mod">
+          <ac:chgData name="Ananthabhotla, Lakshmi Yasodhara" userId="1a5eb61b-c9dd-46ff-b012-750cfca4c24a" providerId="ADAL" clId="{5D7EA7EB-15FE-4CDA-A377-87762833EF3E}" dt="2022-12-13T19:07:23.908" v="2724" actId="14100"/>
+          <ac:spMkLst>
+            <pc:docMk/>
+            <pc:sldMk cId="3016242566" sldId="283"/>
+            <ac:spMk id="4" creationId="{73402829-1F0A-4429-8101-7FB1D22BD0BF}"/>
+          </ac:spMkLst>
+        </pc:spChg>
+        <pc:spChg chg="mod">
+          <ac:chgData name="Ananthabhotla, Lakshmi Yasodhara" userId="1a5eb61b-c9dd-46ff-b012-750cfca4c24a" providerId="ADAL" clId="{5D7EA7EB-15FE-4CDA-A377-87762833EF3E}" dt="2022-12-13T19:00:59.287" v="2686" actId="121"/>
+          <ac:spMkLst>
+            <pc:docMk/>
+            <pc:sldMk cId="3016242566" sldId="283"/>
+            <ac:spMk id="5" creationId="{27BEFF48-93D8-4D12-935E-4A8F629E934B}"/>
+          </ac:spMkLst>
+        </pc:spChg>
       </pc:sldChg>
       <pc:sldChg chg="addSp modSp add">
-        <pc:chgData name="Ananthabhotla, Lakshmi Yasodhara" userId="1a5eb61b-c9dd-46ff-b012-750cfca4c24a" providerId="ADAL" clId="{5D7EA7EB-15FE-4CDA-A377-87762833EF3E}" dt="2022-12-13T18:03:56.305" v="1476" actId="20577"/>
+        <pc:chgData name="Ananthabhotla, Lakshmi Yasodhara" userId="1a5eb61b-c9dd-46ff-b012-750cfca4c24a" providerId="ADAL" clId="{5D7EA7EB-15FE-4CDA-A377-87762833EF3E}" dt="2022-12-13T19:07:26.912" v="2725" actId="14100"/>
         <pc:sldMkLst>
           <pc:docMk/>
           <pc:sldMk cId="3282824464" sldId="284"/>
@@ -505,6 +561,22 @@
             <ac:spMk id="3" creationId="{4ECCB3B8-82C7-004F-A08A-14FF61550B3C}"/>
           </ac:spMkLst>
         </pc:spChg>
+        <pc:spChg chg="mod">
+          <ac:chgData name="Ananthabhotla, Lakshmi Yasodhara" userId="1a5eb61b-c9dd-46ff-b012-750cfca4c24a" providerId="ADAL" clId="{5D7EA7EB-15FE-4CDA-A377-87762833EF3E}" dt="2022-12-13T19:07:26.912" v="2725" actId="14100"/>
+          <ac:spMkLst>
+            <pc:docMk/>
+            <pc:sldMk cId="3282824464" sldId="284"/>
+            <ac:spMk id="4" creationId="{73402829-1F0A-4429-8101-7FB1D22BD0BF}"/>
+          </ac:spMkLst>
+        </pc:spChg>
+        <pc:spChg chg="mod">
+          <ac:chgData name="Ananthabhotla, Lakshmi Yasodhara" userId="1a5eb61b-c9dd-46ff-b012-750cfca4c24a" providerId="ADAL" clId="{5D7EA7EB-15FE-4CDA-A377-87762833EF3E}" dt="2022-12-13T19:01:23.602" v="2689" actId="121"/>
+          <ac:spMkLst>
+            <pc:docMk/>
+            <pc:sldMk cId="3282824464" sldId="284"/>
+            <ac:spMk id="5" creationId="{5D7BF141-3E21-4ACF-9E08-28AD1C78A2FA}"/>
+          </ac:spMkLst>
+        </pc:spChg>
         <pc:picChg chg="add mod">
           <ac:chgData name="Ananthabhotla, Lakshmi Yasodhara" userId="1a5eb61b-c9dd-46ff-b012-750cfca4c24a" providerId="ADAL" clId="{5D7EA7EB-15FE-4CDA-A377-87762833EF3E}" dt="2022-12-13T18:03:09.053" v="1413" actId="1076"/>
           <ac:picMkLst>
@@ -523,7 +595,7 @@
         </pc:picChg>
       </pc:sldChg>
       <pc:sldChg chg="addSp delSp modSp add">
-        <pc:chgData name="Ananthabhotla, Lakshmi Yasodhara" userId="1a5eb61b-c9dd-46ff-b012-750cfca4c24a" providerId="ADAL" clId="{5D7EA7EB-15FE-4CDA-A377-87762833EF3E}" dt="2022-12-13T18:06:40.529" v="1527" actId="1076"/>
+        <pc:chgData name="Ananthabhotla, Lakshmi Yasodhara" userId="1a5eb61b-c9dd-46ff-b012-750cfca4c24a" providerId="ADAL" clId="{5D7EA7EB-15FE-4CDA-A377-87762833EF3E}" dt="2022-12-13T19:07:30.163" v="2726" actId="14100"/>
         <pc:sldMkLst>
           <pc:docMk/>
           <pc:sldMk cId="2700449210" sldId="285"/>
@@ -534,6 +606,22 @@
             <pc:docMk/>
             <pc:sldMk cId="2700449210" sldId="285"/>
             <ac:spMk id="2" creationId="{90F3C3E2-54D7-554A-BB87-84589E0A32F5}"/>
+          </ac:spMkLst>
+        </pc:spChg>
+        <pc:spChg chg="mod">
+          <ac:chgData name="Ananthabhotla, Lakshmi Yasodhara" userId="1a5eb61b-c9dd-46ff-b012-750cfca4c24a" providerId="ADAL" clId="{5D7EA7EB-15FE-4CDA-A377-87762833EF3E}" dt="2022-12-13T19:07:30.163" v="2726" actId="14100"/>
+          <ac:spMkLst>
+            <pc:docMk/>
+            <pc:sldMk cId="2700449210" sldId="285"/>
+            <ac:spMk id="4" creationId="{73402829-1F0A-4429-8101-7FB1D22BD0BF}"/>
+          </ac:spMkLst>
+        </pc:spChg>
+        <pc:spChg chg="mod">
+          <ac:chgData name="Ananthabhotla, Lakshmi Yasodhara" userId="1a5eb61b-c9dd-46ff-b012-750cfca4c24a" providerId="ADAL" clId="{5D7EA7EB-15FE-4CDA-A377-87762833EF3E}" dt="2022-12-13T19:01:33.615" v="2691" actId="121"/>
+          <ac:spMkLst>
+            <pc:docMk/>
+            <pc:sldMk cId="2700449210" sldId="285"/>
+            <ac:spMk id="5" creationId="{48C9F36A-1741-45AF-8D6A-34F4F5F50AA4}"/>
           </ac:spMkLst>
         </pc:spChg>
         <pc:picChg chg="del">
@@ -570,7 +658,7 @@
         </pc:picChg>
       </pc:sldChg>
       <pc:sldChg chg="addSp delSp modSp add">
-        <pc:chgData name="Ananthabhotla, Lakshmi Yasodhara" userId="1a5eb61b-c9dd-46ff-b012-750cfca4c24a" providerId="ADAL" clId="{5D7EA7EB-15FE-4CDA-A377-87762833EF3E}" dt="2022-12-13T18:29:35.995" v="2128" actId="478"/>
+        <pc:chgData name="Ananthabhotla, Lakshmi Yasodhara" userId="1a5eb61b-c9dd-46ff-b012-750cfca4c24a" providerId="ADAL" clId="{5D7EA7EB-15FE-4CDA-A377-87762833EF3E}" dt="2022-12-13T19:01:45.390" v="2693" actId="121"/>
         <pc:sldMkLst>
           <pc:docMk/>
           <pc:sldMk cId="1598939195" sldId="286"/>
@@ -589,6 +677,14 @@
             <pc:docMk/>
             <pc:sldMk cId="1598939195" sldId="286"/>
             <ac:spMk id="3" creationId="{4ECCB3B8-82C7-004F-A08A-14FF61550B3C}"/>
+          </ac:spMkLst>
+        </pc:spChg>
+        <pc:spChg chg="mod">
+          <ac:chgData name="Ananthabhotla, Lakshmi Yasodhara" userId="1a5eb61b-c9dd-46ff-b012-750cfca4c24a" providerId="ADAL" clId="{5D7EA7EB-15FE-4CDA-A377-87762833EF3E}" dt="2022-12-13T19:01:45.390" v="2693" actId="121"/>
+          <ac:spMkLst>
+            <pc:docMk/>
+            <pc:sldMk cId="1598939195" sldId="286"/>
+            <ac:spMk id="4" creationId="{59798D62-870C-414E-9D26-605F4F107A78}"/>
           </ac:spMkLst>
         </pc:spChg>
         <pc:spChg chg="del">
@@ -657,7 +753,7 @@
         </pc:picChg>
       </pc:sldChg>
       <pc:sldChg chg="delSp modSp add ord">
-        <pc:chgData name="Ananthabhotla, Lakshmi Yasodhara" userId="1a5eb61b-c9dd-46ff-b012-750cfca4c24a" providerId="ADAL" clId="{5D7EA7EB-15FE-4CDA-A377-87762833EF3E}" dt="2022-12-13T18:29:30.972" v="2127" actId="478"/>
+        <pc:chgData name="Ananthabhotla, Lakshmi Yasodhara" userId="1a5eb61b-c9dd-46ff-b012-750cfca4c24a" providerId="ADAL" clId="{5D7EA7EB-15FE-4CDA-A377-87762833EF3E}" dt="2022-12-13T19:01:38.628" v="2692" actId="121"/>
         <pc:sldMkLst>
           <pc:docMk/>
           <pc:sldMk cId="4081972701" sldId="287"/>
@@ -678,6 +774,14 @@
             <ac:spMk id="3" creationId="{4ECCB3B8-82C7-004F-A08A-14FF61550B3C}"/>
           </ac:spMkLst>
         </pc:spChg>
+        <pc:spChg chg="mod">
+          <ac:chgData name="Ananthabhotla, Lakshmi Yasodhara" userId="1a5eb61b-c9dd-46ff-b012-750cfca4c24a" providerId="ADAL" clId="{5D7EA7EB-15FE-4CDA-A377-87762833EF3E}" dt="2022-12-13T19:01:38.628" v="2692" actId="121"/>
+          <ac:spMkLst>
+            <pc:docMk/>
+            <pc:sldMk cId="4081972701" sldId="287"/>
+            <ac:spMk id="4" creationId="{25F543E4-6AD6-45D2-BD6A-E62FD99299EA}"/>
+          </ac:spMkLst>
+        </pc:spChg>
         <pc:spChg chg="del">
           <ac:chgData name="Ananthabhotla, Lakshmi Yasodhara" userId="1a5eb61b-c9dd-46ff-b012-750cfca4c24a" providerId="ADAL" clId="{5D7EA7EB-15FE-4CDA-A377-87762833EF3E}" dt="2022-12-13T18:29:30.972" v="2127" actId="478"/>
           <ac:spMkLst>
@@ -688,13 +792,13 @@
         </pc:spChg>
       </pc:sldChg>
       <pc:sldChg chg="delSp modSp add">
-        <pc:chgData name="Ananthabhotla, Lakshmi Yasodhara" userId="1a5eb61b-c9dd-46ff-b012-750cfca4c24a" providerId="ADAL" clId="{5D7EA7EB-15FE-4CDA-A377-87762833EF3E}" dt="2022-12-13T18:42:31.328" v="2675" actId="1076"/>
+        <pc:chgData name="Ananthabhotla, Lakshmi Yasodhara" userId="1a5eb61b-c9dd-46ff-b012-750cfca4c24a" providerId="ADAL" clId="{5D7EA7EB-15FE-4CDA-A377-87762833EF3E}" dt="2022-12-13T19:02:20.986" v="2721" actId="20577"/>
         <pc:sldMkLst>
           <pc:docMk/>
           <pc:sldMk cId="1705484084" sldId="288"/>
         </pc:sldMkLst>
         <pc:spChg chg="mod">
-          <ac:chgData name="Ananthabhotla, Lakshmi Yasodhara" userId="1a5eb61b-c9dd-46ff-b012-750cfca4c24a" providerId="ADAL" clId="{5D7EA7EB-15FE-4CDA-A377-87762833EF3E}" dt="2022-12-13T18:26:19.063" v="2103" actId="20577"/>
+          <ac:chgData name="Ananthabhotla, Lakshmi Yasodhara" userId="1a5eb61b-c9dd-46ff-b012-750cfca4c24a" providerId="ADAL" clId="{5D7EA7EB-15FE-4CDA-A377-87762833EF3E}" dt="2022-12-13T19:02:20.986" v="2721" actId="20577"/>
           <ac:spMkLst>
             <pc:docMk/>
             <pc:sldMk cId="1705484084" sldId="288"/>
@@ -707,6 +811,14 @@
             <pc:docMk/>
             <pc:sldMk cId="1705484084" sldId="288"/>
             <ac:spMk id="3" creationId="{4ECCB3B8-82C7-004F-A08A-14FF61550B3C}"/>
+          </ac:spMkLst>
+        </pc:spChg>
+        <pc:spChg chg="mod">
+          <ac:chgData name="Ananthabhotla, Lakshmi Yasodhara" userId="1a5eb61b-c9dd-46ff-b012-750cfca4c24a" providerId="ADAL" clId="{5D7EA7EB-15FE-4CDA-A377-87762833EF3E}" dt="2022-12-13T19:01:49.353" v="2694" actId="121"/>
+          <ac:spMkLst>
+            <pc:docMk/>
+            <pc:sldMk cId="1705484084" sldId="288"/>
+            <ac:spMk id="4" creationId="{102E984D-48CA-45C6-A557-01A8C896A591}"/>
           </ac:spMkLst>
         </pc:spChg>
         <pc:spChg chg="del">
@@ -742,7 +854,7 @@
         </pc:spChg>
       </pc:sldChg>
       <pc:sldChg chg="addSp delSp modSp add">
-        <pc:chgData name="Ananthabhotla, Lakshmi Yasodhara" userId="1a5eb61b-c9dd-46ff-b012-750cfca4c24a" providerId="ADAL" clId="{5D7EA7EB-15FE-4CDA-A377-87762833EF3E}" dt="2022-12-13T18:28:19.766" v="2124" actId="1076"/>
+        <pc:chgData name="Ananthabhotla, Lakshmi Yasodhara" userId="1a5eb61b-c9dd-46ff-b012-750cfca4c24a" providerId="ADAL" clId="{5D7EA7EB-15FE-4CDA-A377-87762833EF3E}" dt="2022-12-13T19:01:53.622" v="2695" actId="121"/>
         <pc:sldMkLst>
           <pc:docMk/>
           <pc:sldMk cId="963055360" sldId="289"/>
@@ -761,6 +873,14 @@
             <pc:docMk/>
             <pc:sldMk cId="963055360" sldId="289"/>
             <ac:spMk id="3" creationId="{4ECCB3B8-82C7-004F-A08A-14FF61550B3C}"/>
+          </ac:spMkLst>
+        </pc:spChg>
+        <pc:spChg chg="mod">
+          <ac:chgData name="Ananthabhotla, Lakshmi Yasodhara" userId="1a5eb61b-c9dd-46ff-b012-750cfca4c24a" providerId="ADAL" clId="{5D7EA7EB-15FE-4CDA-A377-87762833EF3E}" dt="2022-12-13T19:01:53.622" v="2695" actId="121"/>
+          <ac:spMkLst>
+            <pc:docMk/>
+            <pc:sldMk cId="963055360" sldId="289"/>
+            <ac:spMk id="3" creationId="{A7DE910E-9234-45BC-A826-015F49018F5F}"/>
           </ac:spMkLst>
         </pc:spChg>
         <pc:spChg chg="del">
@@ -5145,6 +5265,7 @@
     <p:sldLayoutId id="2147483669" r:id="rId10"/>
     <p:sldLayoutId id="2147483678" r:id="rId11"/>
   </p:sldLayoutIdLst>
+  <p:hf hdr="0" ftr="0" dt="0"/>
   <p:txStyles>
     <p:titleStyle>
       <a:lvl1pPr algn="l" defTabSz="685800" rtl="0" eaLnBrk="1" latinLnBrk="0" hangingPunct="1">
@@ -5731,6 +5852,37 @@
           </a:extLst>
         </p:spPr>
       </p:pic>
+      <p:sp>
+        <p:nvSpPr>
+          <p:cNvPr id="4" name="Slide Number Placeholder 3">
+            <a:extLst>
+              <a:ext uri="{FF2B5EF4-FFF2-40B4-BE49-F238E27FC236}">
+                <a16:creationId xmlns:a16="http://schemas.microsoft.com/office/drawing/2014/main" id="{59798D62-870C-414E-9D26-605F4F107A78}"/>
+              </a:ext>
+            </a:extLst>
+          </p:cNvPr>
+          <p:cNvSpPr>
+            <a:spLocks noGrp="1"/>
+          </p:cNvSpPr>
+          <p:nvPr>
+            <p:ph type="sldNum" sz="quarter" idx="12"/>
+          </p:nvPr>
+        </p:nvSpPr>
+        <p:spPr/>
+        <p:txBody>
+          <a:bodyPr/>
+          <a:lstStyle/>
+          <a:p>
+            <a:pPr algn="r"/>
+            <a:fld id="{0B8F101A-5762-A94D-B26B-936FC3619C3C}" type="slidenum">
+              <a:rPr lang="en-US" smtClean="0"/>
+              <a:pPr algn="r"/>
+              <a:t>10</a:t>
+            </a:fld>
+            <a:endParaRPr lang="en-US" dirty="0"/>
+          </a:p>
+        </p:txBody>
+      </p:sp>
     </p:spTree>
     <p:extLst>
       <p:ext uri="{BB962C8B-B14F-4D97-AF65-F5344CB8AC3E}">
@@ -5876,8 +6028,39 @@
                 <a:latin typeface="Arial" panose="020B0604020202020204" pitchFamily="34" charset="0"/>
                 <a:cs typeface="Arial" panose="020B0604020202020204" pitchFamily="34" charset="0"/>
               </a:rPr>
-              <a:t>Summary</a:t>
-            </a:r>
+              <a:t>Discussion and future work</a:t>
+            </a:r>
+          </a:p>
+        </p:txBody>
+      </p:sp>
+      <p:sp>
+        <p:nvSpPr>
+          <p:cNvPr id="4" name="Slide Number Placeholder 3">
+            <a:extLst>
+              <a:ext uri="{FF2B5EF4-FFF2-40B4-BE49-F238E27FC236}">
+                <a16:creationId xmlns:a16="http://schemas.microsoft.com/office/drawing/2014/main" id="{102E984D-48CA-45C6-A557-01A8C896A591}"/>
+              </a:ext>
+            </a:extLst>
+          </p:cNvPr>
+          <p:cNvSpPr>
+            <a:spLocks noGrp="1"/>
+          </p:cNvSpPr>
+          <p:nvPr>
+            <p:ph type="sldNum" sz="quarter" idx="12"/>
+          </p:nvPr>
+        </p:nvSpPr>
+        <p:spPr/>
+        <p:txBody>
+          <a:bodyPr/>
+          <a:lstStyle/>
+          <a:p>
+            <a:pPr algn="r"/>
+            <a:fld id="{0B8F101A-5762-A94D-B26B-936FC3619C3C}" type="slidenum">
+              <a:rPr lang="en-US" smtClean="0"/>
+              <a:pPr algn="r"/>
+              <a:t>11</a:t>
+            </a:fld>
+            <a:endParaRPr lang="en-US" dirty="0"/>
           </a:p>
         </p:txBody>
       </p:sp>
@@ -5953,6 +6136,37 @@
               </a:rPr>
               <a:t>Thank you!</a:t>
             </a:r>
+          </a:p>
+        </p:txBody>
+      </p:sp>
+      <p:sp>
+        <p:nvSpPr>
+          <p:cNvPr id="3" name="Slide Number Placeholder 2">
+            <a:extLst>
+              <a:ext uri="{FF2B5EF4-FFF2-40B4-BE49-F238E27FC236}">
+                <a16:creationId xmlns:a16="http://schemas.microsoft.com/office/drawing/2014/main" id="{A7DE910E-9234-45BC-A826-015F49018F5F}"/>
+              </a:ext>
+            </a:extLst>
+          </p:cNvPr>
+          <p:cNvSpPr>
+            <a:spLocks noGrp="1"/>
+          </p:cNvSpPr>
+          <p:nvPr>
+            <p:ph type="sldNum" sz="quarter" idx="12"/>
+          </p:nvPr>
+        </p:nvSpPr>
+        <p:spPr/>
+        <p:txBody>
+          <a:bodyPr/>
+          <a:lstStyle/>
+          <a:p>
+            <a:pPr algn="r"/>
+            <a:fld id="{0B8F101A-5762-A94D-B26B-936FC3619C3C}" type="slidenum">
+              <a:rPr lang="en-US" smtClean="0"/>
+              <a:pPr algn="r"/>
+              <a:t>12</a:t>
+            </a:fld>
+            <a:endParaRPr lang="en-US" dirty="0"/>
           </a:p>
         </p:txBody>
       </p:sp>
@@ -6148,8 +6362,8 @@
         </p:nvSpPr>
         <p:spPr>
           <a:xfrm>
-            <a:off x="1535150" y="4748772"/>
-            <a:ext cx="7259445" cy="338554"/>
+            <a:off x="1535151" y="4748772"/>
+            <a:ext cx="6510151" cy="338554"/>
           </a:xfrm>
           <a:prstGeom prst="rect">
             <a:avLst/>
@@ -6212,6 +6426,37 @@
               </a:rPr>
               <a:t>. 2021 Jul;24(7):102704. DOI: 10.1016/j.isci.2021.102704. PMID: 34258548; PMCID: PMC8253966.</a:t>
             </a:r>
+          </a:p>
+        </p:txBody>
+      </p:sp>
+      <p:sp>
+        <p:nvSpPr>
+          <p:cNvPr id="5" name="Slide Number Placeholder 4">
+            <a:extLst>
+              <a:ext uri="{FF2B5EF4-FFF2-40B4-BE49-F238E27FC236}">
+                <a16:creationId xmlns:a16="http://schemas.microsoft.com/office/drawing/2014/main" id="{F1110EED-26CC-4EF7-9C71-5D323BAB6D15}"/>
+              </a:ext>
+            </a:extLst>
+          </p:cNvPr>
+          <p:cNvSpPr>
+            <a:spLocks noGrp="1"/>
+          </p:cNvSpPr>
+          <p:nvPr>
+            <p:ph type="sldNum" sz="quarter" idx="12"/>
+          </p:nvPr>
+        </p:nvSpPr>
+        <p:spPr/>
+        <p:txBody>
+          <a:bodyPr/>
+          <a:lstStyle/>
+          <a:p>
+            <a:pPr algn="r"/>
+            <a:fld id="{0B8F101A-5762-A94D-B26B-936FC3619C3C}" type="slidenum">
+              <a:rPr lang="en-US" smtClean="0"/>
+              <a:pPr algn="r"/>
+              <a:t>2</a:t>
+            </a:fld>
+            <a:endParaRPr lang="en-US" dirty="0"/>
           </a:p>
         </p:txBody>
       </p:sp>
@@ -6396,8 +6641,8 @@
         </p:nvSpPr>
         <p:spPr>
           <a:xfrm>
-            <a:off x="1535150" y="4748772"/>
-            <a:ext cx="7259445" cy="338554"/>
+            <a:off x="1428826" y="4741149"/>
+            <a:ext cx="6779510" cy="338554"/>
           </a:xfrm>
           <a:prstGeom prst="rect">
             <a:avLst/>
@@ -6482,6 +6727,37 @@
           </a:prstGeom>
         </p:spPr>
       </p:pic>
+      <p:sp>
+        <p:nvSpPr>
+          <p:cNvPr id="6" name="Slide Number Placeholder 5">
+            <a:extLst>
+              <a:ext uri="{FF2B5EF4-FFF2-40B4-BE49-F238E27FC236}">
+                <a16:creationId xmlns:a16="http://schemas.microsoft.com/office/drawing/2014/main" id="{5DCDE601-FB84-4F0B-B587-3704CB64380E}"/>
+              </a:ext>
+            </a:extLst>
+          </p:cNvPr>
+          <p:cNvSpPr>
+            <a:spLocks noGrp="1"/>
+          </p:cNvSpPr>
+          <p:nvPr>
+            <p:ph type="sldNum" sz="quarter" idx="12"/>
+          </p:nvPr>
+        </p:nvSpPr>
+        <p:spPr/>
+        <p:txBody>
+          <a:bodyPr/>
+          <a:lstStyle/>
+          <a:p>
+            <a:pPr algn="r"/>
+            <a:fld id="{0B8F101A-5762-A94D-B26B-936FC3619C3C}" type="slidenum">
+              <a:rPr lang="en-US" smtClean="0"/>
+              <a:pPr algn="r"/>
+              <a:t>3</a:t>
+            </a:fld>
+            <a:endParaRPr lang="en-US" dirty="0"/>
+          </a:p>
+        </p:txBody>
+      </p:sp>
     </p:spTree>
     <p:extLst>
       <p:ext uri="{BB962C8B-B14F-4D97-AF65-F5344CB8AC3E}">
@@ -6616,7 +6892,7 @@
         <p:spPr>
           <a:xfrm>
             <a:off x="1535150" y="4748772"/>
-            <a:ext cx="7259445" cy="338554"/>
+            <a:ext cx="6099027" cy="338554"/>
           </a:xfrm>
           <a:prstGeom prst="rect">
             <a:avLst/>
@@ -6706,8 +6982,8 @@
           </a:ln>
         </p:spPr>
       </p:pic>
-      <mc:AlternateContent xmlns:mc="http://schemas.openxmlformats.org/markup-compatibility/2006">
-        <mc:Choice xmlns:a14="http://schemas.microsoft.com/office/drawing/2010/main" Requires="a14">
+      <mc:AlternateContent xmlns:mc="http://schemas.openxmlformats.org/markup-compatibility/2006" xmlns:a14="http://schemas.microsoft.com/office/drawing/2010/main">
+        <mc:Choice Requires="a14">
           <p:sp>
             <p:nvSpPr>
               <p:cNvPr id="6" name="Rectangle 5">
@@ -6816,7 +7092,7 @@
             </p:txBody>
           </p:sp>
         </mc:Choice>
-        <mc:Fallback>
+        <mc:Fallback xmlns="">
           <p:sp>
             <p:nvSpPr>
               <p:cNvPr id="6" name="Rectangle 5">
@@ -6866,6 +7142,37 @@
           </p:sp>
         </mc:Fallback>
       </mc:AlternateContent>
+      <p:sp>
+        <p:nvSpPr>
+          <p:cNvPr id="7" name="Slide Number Placeholder 6">
+            <a:extLst>
+              <a:ext uri="{FF2B5EF4-FFF2-40B4-BE49-F238E27FC236}">
+                <a16:creationId xmlns:a16="http://schemas.microsoft.com/office/drawing/2014/main" id="{FA3BB005-8EE8-47E1-A05D-A29317BE819A}"/>
+              </a:ext>
+            </a:extLst>
+          </p:cNvPr>
+          <p:cNvSpPr>
+            <a:spLocks noGrp="1"/>
+          </p:cNvSpPr>
+          <p:nvPr>
+            <p:ph type="sldNum" sz="quarter" idx="12"/>
+          </p:nvPr>
+        </p:nvSpPr>
+        <p:spPr/>
+        <p:txBody>
+          <a:bodyPr/>
+          <a:lstStyle/>
+          <a:p>
+            <a:pPr algn="r"/>
+            <a:fld id="{0B8F101A-5762-A94D-B26B-936FC3619C3C}" type="slidenum">
+              <a:rPr lang="en-US" smtClean="0"/>
+              <a:pPr algn="r"/>
+              <a:t>4</a:t>
+            </a:fld>
+            <a:endParaRPr lang="en-US" dirty="0"/>
+          </a:p>
+        </p:txBody>
+      </p:sp>
     </p:spTree>
     <p:extLst>
       <p:ext uri="{BB962C8B-B14F-4D97-AF65-F5344CB8AC3E}">
@@ -6904,8 +7211,8 @@
           <a:chExt cx="0" cy="0"/>
         </a:xfrm>
       </p:grpSpPr>
-      <mc:AlternateContent xmlns:mc="http://schemas.openxmlformats.org/markup-compatibility/2006">
-        <mc:Choice xmlns:a14="http://schemas.microsoft.com/office/drawing/2010/main" Requires="a14">
+      <mc:AlternateContent xmlns:mc="http://schemas.openxmlformats.org/markup-compatibility/2006" xmlns:a14="http://schemas.microsoft.com/office/drawing/2010/main">
+        <mc:Choice Requires="a14">
           <p:sp>
             <p:nvSpPr>
               <p:cNvPr id="3" name="Content Placeholder 2">
@@ -7242,7 +7549,7 @@
             </p:txBody>
           </p:sp>
         </mc:Choice>
-        <mc:Fallback>
+        <mc:Fallback xmlns="">
           <p:sp>
             <p:nvSpPr>
               <p:cNvPr id="3" name="Content Placeholder 2">
@@ -7336,8 +7643,8 @@
         </p:nvSpPr>
         <p:spPr>
           <a:xfrm>
-            <a:off x="1535150" y="4748772"/>
-            <a:ext cx="7259445" cy="338554"/>
+            <a:off x="1535151" y="4748772"/>
+            <a:ext cx="5985612" cy="338554"/>
           </a:xfrm>
           <a:prstGeom prst="rect">
             <a:avLst/>
@@ -7389,6 +7696,37 @@
               <a:latin typeface="Arial" panose="020B0604020202020204" pitchFamily="34" charset="0"/>
               <a:cs typeface="Arial" panose="020B0604020202020204" pitchFamily="34" charset="0"/>
             </a:endParaRPr>
+          </a:p>
+        </p:txBody>
+      </p:sp>
+      <p:sp>
+        <p:nvSpPr>
+          <p:cNvPr id="5" name="Slide Number Placeholder 4">
+            <a:extLst>
+              <a:ext uri="{FF2B5EF4-FFF2-40B4-BE49-F238E27FC236}">
+                <a16:creationId xmlns:a16="http://schemas.microsoft.com/office/drawing/2014/main" id="{EA1DD16B-AC3A-4A93-8B72-EB2A5E9590A8}"/>
+              </a:ext>
+            </a:extLst>
+          </p:cNvPr>
+          <p:cNvSpPr>
+            <a:spLocks noGrp="1"/>
+          </p:cNvSpPr>
+          <p:nvPr>
+            <p:ph type="sldNum" sz="quarter" idx="12"/>
+          </p:nvPr>
+        </p:nvSpPr>
+        <p:spPr/>
+        <p:txBody>
+          <a:bodyPr/>
+          <a:lstStyle/>
+          <a:p>
+            <a:pPr algn="r"/>
+            <a:fld id="{0B8F101A-5762-A94D-B26B-936FC3619C3C}" type="slidenum">
+              <a:rPr lang="en-US" smtClean="0"/>
+              <a:pPr algn="r"/>
+              <a:t>5</a:t>
+            </a:fld>
+            <a:endParaRPr lang="en-US" dirty="0"/>
           </a:p>
         </p:txBody>
       </p:sp>
@@ -7430,8 +7768,8 @@
           <a:chExt cx="0" cy="0"/>
         </a:xfrm>
       </p:grpSpPr>
-      <mc:AlternateContent xmlns:mc="http://schemas.openxmlformats.org/markup-compatibility/2006">
-        <mc:Choice xmlns:a14="http://schemas.microsoft.com/office/drawing/2010/main" Requires="a14">
+      <mc:AlternateContent xmlns:mc="http://schemas.openxmlformats.org/markup-compatibility/2006" xmlns:a14="http://schemas.microsoft.com/office/drawing/2010/main">
+        <mc:Choice Requires="a14">
           <p:sp>
             <p:nvSpPr>
               <p:cNvPr id="3" name="Content Placeholder 2">
@@ -7706,7 +8044,7 @@
             </p:txBody>
           </p:sp>
         </mc:Choice>
-        <mc:Fallback>
+        <mc:Fallback xmlns="">
           <p:sp>
             <p:nvSpPr>
               <p:cNvPr id="3" name="Content Placeholder 2">
@@ -7801,7 +8139,7 @@
         <p:spPr>
           <a:xfrm>
             <a:off x="1535150" y="4748772"/>
-            <a:ext cx="7259445" cy="338554"/>
+            <a:ext cx="6077761" cy="338554"/>
           </a:xfrm>
           <a:prstGeom prst="rect">
             <a:avLst/>
@@ -7853,6 +8191,37 @@
               <a:latin typeface="Arial" panose="020B0604020202020204" pitchFamily="34" charset="0"/>
               <a:cs typeface="Arial" panose="020B0604020202020204" pitchFamily="34" charset="0"/>
             </a:endParaRPr>
+          </a:p>
+        </p:txBody>
+      </p:sp>
+      <p:sp>
+        <p:nvSpPr>
+          <p:cNvPr id="5" name="Slide Number Placeholder 4">
+            <a:extLst>
+              <a:ext uri="{FF2B5EF4-FFF2-40B4-BE49-F238E27FC236}">
+                <a16:creationId xmlns:a16="http://schemas.microsoft.com/office/drawing/2014/main" id="{27BEFF48-93D8-4D12-935E-4A8F629E934B}"/>
+              </a:ext>
+            </a:extLst>
+          </p:cNvPr>
+          <p:cNvSpPr>
+            <a:spLocks noGrp="1"/>
+          </p:cNvSpPr>
+          <p:nvPr>
+            <p:ph type="sldNum" sz="quarter" idx="12"/>
+          </p:nvPr>
+        </p:nvSpPr>
+        <p:spPr/>
+        <p:txBody>
+          <a:bodyPr/>
+          <a:lstStyle/>
+          <a:p>
+            <a:pPr algn="r"/>
+            <a:fld id="{0B8F101A-5762-A94D-B26B-936FC3619C3C}" type="slidenum">
+              <a:rPr lang="en-US" smtClean="0"/>
+              <a:pPr algn="r"/>
+              <a:t>6</a:t>
+            </a:fld>
+            <a:endParaRPr lang="en-US" dirty="0"/>
           </a:p>
         </p:txBody>
       </p:sp>
@@ -7894,8 +8263,8 @@
           <a:chExt cx="0" cy="0"/>
         </a:xfrm>
       </p:grpSpPr>
-      <mc:AlternateContent xmlns:mc="http://schemas.openxmlformats.org/markup-compatibility/2006">
-        <mc:Choice xmlns:a14="http://schemas.microsoft.com/office/drawing/2010/main" Requires="a14">
+      <mc:AlternateContent xmlns:mc="http://schemas.openxmlformats.org/markup-compatibility/2006" xmlns:a14="http://schemas.microsoft.com/office/drawing/2010/main">
+        <mc:Choice Requires="a14">
           <p:sp>
             <p:nvSpPr>
               <p:cNvPr id="3" name="Content Placeholder 2">
@@ -7981,7 +8350,7 @@
             </p:txBody>
           </p:sp>
         </mc:Choice>
-        <mc:Fallback>
+        <mc:Fallback xmlns="">
           <p:sp>
             <p:nvSpPr>
               <p:cNvPr id="3" name="Content Placeholder 2">
@@ -8080,8 +8449,8 @@
         </p:nvSpPr>
         <p:spPr>
           <a:xfrm>
-            <a:off x="1535150" y="4748772"/>
-            <a:ext cx="7259445" cy="338554"/>
+            <a:off x="1535151" y="4748772"/>
+            <a:ext cx="5843844" cy="338554"/>
           </a:xfrm>
           <a:prstGeom prst="rect">
             <a:avLst/>
@@ -8230,6 +8599,37 @@
           </a:extLst>
         </p:spPr>
       </p:pic>
+      <p:sp>
+        <p:nvSpPr>
+          <p:cNvPr id="5" name="Slide Number Placeholder 4">
+            <a:extLst>
+              <a:ext uri="{FF2B5EF4-FFF2-40B4-BE49-F238E27FC236}">
+                <a16:creationId xmlns:a16="http://schemas.microsoft.com/office/drawing/2014/main" id="{5D7BF141-3E21-4ACF-9E08-28AD1C78A2FA}"/>
+              </a:ext>
+            </a:extLst>
+          </p:cNvPr>
+          <p:cNvSpPr>
+            <a:spLocks noGrp="1"/>
+          </p:cNvSpPr>
+          <p:nvPr>
+            <p:ph type="sldNum" sz="quarter" idx="12"/>
+          </p:nvPr>
+        </p:nvSpPr>
+        <p:spPr/>
+        <p:txBody>
+          <a:bodyPr/>
+          <a:lstStyle/>
+          <a:p>
+            <a:pPr algn="r"/>
+            <a:fld id="{0B8F101A-5762-A94D-B26B-936FC3619C3C}" type="slidenum">
+              <a:rPr lang="en-US" smtClean="0"/>
+              <a:pPr algn="r"/>
+              <a:t>7</a:t>
+            </a:fld>
+            <a:endParaRPr lang="en-US" dirty="0"/>
+          </a:p>
+        </p:txBody>
+      </p:sp>
     </p:spTree>
     <p:extLst>
       <p:ext uri="{BB962C8B-B14F-4D97-AF65-F5344CB8AC3E}">
@@ -8268,8 +8668,8 @@
           <a:chExt cx="0" cy="0"/>
         </a:xfrm>
       </p:grpSpPr>
-      <mc:AlternateContent xmlns:mc="http://schemas.openxmlformats.org/markup-compatibility/2006">
-        <mc:Choice xmlns:a14="http://schemas.microsoft.com/office/drawing/2010/main" Requires="a14">
+      <mc:AlternateContent xmlns:mc="http://schemas.openxmlformats.org/markup-compatibility/2006" xmlns:a14="http://schemas.microsoft.com/office/drawing/2010/main">
+        <mc:Choice Requires="a14">
           <p:sp>
             <p:nvSpPr>
               <p:cNvPr id="3" name="Content Placeholder 2">
@@ -8355,7 +8755,7 @@
             </p:txBody>
           </p:sp>
         </mc:Choice>
-        <mc:Fallback>
+        <mc:Fallback xmlns="">
           <p:sp>
             <p:nvSpPr>
               <p:cNvPr id="3" name="Content Placeholder 2">
@@ -8455,7 +8855,7 @@
         <p:spPr>
           <a:xfrm>
             <a:off x="1535150" y="4748772"/>
-            <a:ext cx="7259445" cy="338554"/>
+            <a:ext cx="5978523" cy="338554"/>
           </a:xfrm>
           <a:prstGeom prst="rect">
             <a:avLst/>
@@ -8604,6 +9004,37 @@
           </a:extLst>
         </p:spPr>
       </p:pic>
+      <p:sp>
+        <p:nvSpPr>
+          <p:cNvPr id="5" name="Slide Number Placeholder 4">
+            <a:extLst>
+              <a:ext uri="{FF2B5EF4-FFF2-40B4-BE49-F238E27FC236}">
+                <a16:creationId xmlns:a16="http://schemas.microsoft.com/office/drawing/2014/main" id="{48C9F36A-1741-45AF-8D6A-34F4F5F50AA4}"/>
+              </a:ext>
+            </a:extLst>
+          </p:cNvPr>
+          <p:cNvSpPr>
+            <a:spLocks noGrp="1"/>
+          </p:cNvSpPr>
+          <p:nvPr>
+            <p:ph type="sldNum" sz="quarter" idx="12"/>
+          </p:nvPr>
+        </p:nvSpPr>
+        <p:spPr/>
+        <p:txBody>
+          <a:bodyPr/>
+          <a:lstStyle/>
+          <a:p>
+            <a:pPr algn="r"/>
+            <a:fld id="{0B8F101A-5762-A94D-B26B-936FC3619C3C}" type="slidenum">
+              <a:rPr lang="en-US" smtClean="0"/>
+              <a:pPr algn="r"/>
+              <a:t>8</a:t>
+            </a:fld>
+            <a:endParaRPr lang="en-US" dirty="0"/>
+          </a:p>
+        </p:txBody>
+      </p:sp>
     </p:spTree>
     <p:extLst>
       <p:ext uri="{BB962C8B-B14F-4D97-AF65-F5344CB8AC3E}">
@@ -8818,6 +9249,37 @@
           </a:extLst>
         </p:spPr>
       </p:pic>
+      <p:sp>
+        <p:nvSpPr>
+          <p:cNvPr id="4" name="Slide Number Placeholder 3">
+            <a:extLst>
+              <a:ext uri="{FF2B5EF4-FFF2-40B4-BE49-F238E27FC236}">
+                <a16:creationId xmlns:a16="http://schemas.microsoft.com/office/drawing/2014/main" id="{25F543E4-6AD6-45D2-BD6A-E62FD99299EA}"/>
+              </a:ext>
+            </a:extLst>
+          </p:cNvPr>
+          <p:cNvSpPr>
+            <a:spLocks noGrp="1"/>
+          </p:cNvSpPr>
+          <p:nvPr>
+            <p:ph type="sldNum" sz="quarter" idx="12"/>
+          </p:nvPr>
+        </p:nvSpPr>
+        <p:spPr/>
+        <p:txBody>
+          <a:bodyPr/>
+          <a:lstStyle/>
+          <a:p>
+            <a:pPr algn="r"/>
+            <a:fld id="{0B8F101A-5762-A94D-B26B-936FC3619C3C}" type="slidenum">
+              <a:rPr lang="en-US" smtClean="0"/>
+              <a:pPr algn="r"/>
+              <a:t>9</a:t>
+            </a:fld>
+            <a:endParaRPr lang="en-US" dirty="0"/>
+          </a:p>
+        </p:txBody>
+      </p:sp>
     </p:spTree>
     <p:extLst>
       <p:ext uri="{BB962C8B-B14F-4D97-AF65-F5344CB8AC3E}">
